--- a/Lecture 2/Lecture 2.pptx
+++ b/Lecture 2/Lecture 2.pptx
@@ -246,14 +246,14 @@
           </a:ln>
           <a:extLst>
             <a:ext uri="{909E8E84-426E-40dd-AFC4-6F175D3DCCD1}">
-              <a14:hiddenFill xmlns="" xmlns:a14="http://schemas.microsoft.com/office/drawing/2010/main">
+              <a14:hiddenFill xmlns:a14="http://schemas.microsoft.com/office/drawing/2010/main" xmlns="">
                 <a:solidFill>
                   <a:schemeClr val="accent1"/>
                 </a:solidFill>
               </a14:hiddenFill>
             </a:ext>
             <a:ext uri="{91240B29-F687-4f45-9708-019B960494DF}">
-              <a14:hiddenLine xmlns="" xmlns:a14="http://schemas.microsoft.com/office/drawing/2010/main" w="9525">
+              <a14:hiddenLine xmlns:a14="http://schemas.microsoft.com/office/drawing/2010/main" xmlns="" w="9525">
                 <a:solidFill>
                   <a:schemeClr val="tx1"/>
                 </a:solidFill>
@@ -263,7 +263,7 @@
               </a14:hiddenLine>
             </a:ext>
             <a:ext uri="{FAA26D3D-D897-4be2-8F04-BA451C77F1D7}">
-              <ma14:placeholderFlag xmlns="" xmlns:ma14="http://schemas.microsoft.com/office/mac/drawingml/2011/main" val="1"/>
+              <ma14:placeholderFlag xmlns:ma14="http://schemas.microsoft.com/office/mac/drawingml/2011/main" xmlns="" val="1"/>
             </a:ext>
           </a:extLst>
         </p:spPr>
@@ -323,14 +323,14 @@
           </a:ln>
           <a:extLst>
             <a:ext uri="{909E8E84-426E-40dd-AFC4-6F175D3DCCD1}">
-              <a14:hiddenFill xmlns="" xmlns:a14="http://schemas.microsoft.com/office/drawing/2010/main">
+              <a14:hiddenFill xmlns:a14="http://schemas.microsoft.com/office/drawing/2010/main" xmlns="">
                 <a:solidFill>
                   <a:schemeClr val="accent1"/>
                 </a:solidFill>
               </a14:hiddenFill>
             </a:ext>
             <a:ext uri="{91240B29-F687-4f45-9708-019B960494DF}">
-              <a14:hiddenLine xmlns="" xmlns:a14="http://schemas.microsoft.com/office/drawing/2010/main" w="9525">
+              <a14:hiddenLine xmlns:a14="http://schemas.microsoft.com/office/drawing/2010/main" xmlns="" w="9525">
                 <a:solidFill>
                   <a:schemeClr val="tx1"/>
                 </a:solidFill>
@@ -340,7 +340,7 @@
               </a14:hiddenLine>
             </a:ext>
             <a:ext uri="{FAA26D3D-D897-4be2-8F04-BA451C77F1D7}">
-              <ma14:placeholderFlag xmlns="" xmlns:ma14="http://schemas.microsoft.com/office/mac/drawingml/2011/main" val="1"/>
+              <ma14:placeholderFlag xmlns:ma14="http://schemas.microsoft.com/office/mac/drawingml/2011/main" xmlns="" val="1"/>
             </a:ext>
           </a:extLst>
         </p:spPr>
@@ -400,14 +400,14 @@
           </a:ln>
           <a:extLst>
             <a:ext uri="{909E8E84-426E-40dd-AFC4-6F175D3DCCD1}">
-              <a14:hiddenFill xmlns="" xmlns:a14="http://schemas.microsoft.com/office/drawing/2010/main">
+              <a14:hiddenFill xmlns:a14="http://schemas.microsoft.com/office/drawing/2010/main" xmlns="">
                 <a:solidFill>
                   <a:schemeClr val="accent1"/>
                 </a:solidFill>
               </a14:hiddenFill>
             </a:ext>
             <a:ext uri="{91240B29-F687-4f45-9708-019B960494DF}">
-              <a14:hiddenLine xmlns="" xmlns:a14="http://schemas.microsoft.com/office/drawing/2010/main" w="9525">
+              <a14:hiddenLine xmlns:a14="http://schemas.microsoft.com/office/drawing/2010/main" xmlns="" w="9525">
                 <a:solidFill>
                   <a:schemeClr val="tx1"/>
                 </a:solidFill>
@@ -417,7 +417,7 @@
               </a14:hiddenLine>
             </a:ext>
             <a:ext uri="{FAA26D3D-D897-4be2-8F04-BA451C77F1D7}">
-              <ma14:placeholderFlag xmlns="" xmlns:ma14="http://schemas.microsoft.com/office/mac/drawingml/2011/main" val="1"/>
+              <ma14:placeholderFlag xmlns:ma14="http://schemas.microsoft.com/office/mac/drawingml/2011/main" xmlns="" val="1"/>
             </a:ext>
           </a:extLst>
         </p:spPr>
@@ -477,14 +477,14 @@
           </a:ln>
           <a:extLst>
             <a:ext uri="{909E8E84-426E-40dd-AFC4-6F175D3DCCD1}">
-              <a14:hiddenFill xmlns="" xmlns:a14="http://schemas.microsoft.com/office/drawing/2010/main">
+              <a14:hiddenFill xmlns:a14="http://schemas.microsoft.com/office/drawing/2010/main" xmlns="">
                 <a:solidFill>
                   <a:schemeClr val="accent1"/>
                 </a:solidFill>
               </a14:hiddenFill>
             </a:ext>
             <a:ext uri="{91240B29-F687-4f45-9708-019B960494DF}">
-              <a14:hiddenLine xmlns="" xmlns:a14="http://schemas.microsoft.com/office/drawing/2010/main" w="9525">
+              <a14:hiddenLine xmlns:a14="http://schemas.microsoft.com/office/drawing/2010/main" xmlns="" w="9525">
                 <a:solidFill>
                   <a:schemeClr val="tx1"/>
                 </a:solidFill>
@@ -494,7 +494,7 @@
               </a14:hiddenLine>
             </a:ext>
             <a:ext uri="{FAA26D3D-D897-4be2-8F04-BA451C77F1D7}">
-              <ma14:placeholderFlag xmlns="" xmlns:ma14="http://schemas.microsoft.com/office/mac/drawingml/2011/main" val="1"/>
+              <ma14:placeholderFlag xmlns:ma14="http://schemas.microsoft.com/office/mac/drawingml/2011/main" xmlns="" val="1"/>
             </a:ext>
           </a:extLst>
         </p:spPr>
@@ -590,14 +590,14 @@
           </a:ln>
           <a:extLst>
             <a:ext uri="{909E8E84-426E-40dd-AFC4-6F175D3DCCD1}">
-              <a14:hiddenFill xmlns="" xmlns:a14="http://schemas.microsoft.com/office/drawing/2010/main">
+              <a14:hiddenFill xmlns:a14="http://schemas.microsoft.com/office/drawing/2010/main" xmlns="">
                 <a:solidFill>
                   <a:schemeClr val="accent1"/>
                 </a:solidFill>
               </a14:hiddenFill>
             </a:ext>
             <a:ext uri="{91240B29-F687-4f45-9708-019B960494DF}">
-              <a14:hiddenLine xmlns="" xmlns:a14="http://schemas.microsoft.com/office/drawing/2010/main" w="9525">
+              <a14:hiddenLine xmlns:a14="http://schemas.microsoft.com/office/drawing/2010/main" xmlns="" w="9525">
                 <a:solidFill>
                   <a:schemeClr val="tx1"/>
                 </a:solidFill>
@@ -607,7 +607,7 @@
               </a14:hiddenLine>
             </a:ext>
             <a:ext uri="{FAA26D3D-D897-4be2-8F04-BA451C77F1D7}">
-              <ma14:placeholderFlag xmlns="" xmlns:ma14="http://schemas.microsoft.com/office/mac/drawingml/2011/main" val="1"/>
+              <ma14:placeholderFlag xmlns:ma14="http://schemas.microsoft.com/office/mac/drawingml/2011/main" xmlns="" val="1"/>
             </a:ext>
           </a:extLst>
         </p:spPr>
@@ -667,14 +667,14 @@
           </a:ln>
           <a:extLst>
             <a:ext uri="{909E8E84-426E-40dd-AFC4-6F175D3DCCD1}">
-              <a14:hiddenFill xmlns="" xmlns:a14="http://schemas.microsoft.com/office/drawing/2010/main">
+              <a14:hiddenFill xmlns:a14="http://schemas.microsoft.com/office/drawing/2010/main" xmlns="">
                 <a:solidFill>
                   <a:schemeClr val="accent1"/>
                 </a:solidFill>
               </a14:hiddenFill>
             </a:ext>
             <a:ext uri="{91240B29-F687-4f45-9708-019B960494DF}">
-              <a14:hiddenLine xmlns="" xmlns:a14="http://schemas.microsoft.com/office/drawing/2010/main" w="9525">
+              <a14:hiddenLine xmlns:a14="http://schemas.microsoft.com/office/drawing/2010/main" xmlns="" w="9525">
                 <a:solidFill>
                   <a:schemeClr val="tx1"/>
                 </a:solidFill>
@@ -684,7 +684,7 @@
               </a14:hiddenLine>
             </a:ext>
             <a:ext uri="{FAA26D3D-D897-4be2-8F04-BA451C77F1D7}">
-              <ma14:placeholderFlag xmlns="" xmlns:ma14="http://schemas.microsoft.com/office/mac/drawingml/2011/main" val="1"/>
+              <ma14:placeholderFlag xmlns:ma14="http://schemas.microsoft.com/office/mac/drawingml/2011/main" xmlns="" val="1"/>
             </a:ext>
           </a:extLst>
         </p:spPr>
@@ -750,7 +750,7 @@
           <a:effectLst/>
           <a:extLst>
             <a:ext uri="{AF507438-7753-43e0-B8FC-AC1667EBCBE1}">
-              <a14:hiddenEffects xmlns="" xmlns:a14="http://schemas.microsoft.com/office/drawing/2010/main">
+              <a14:hiddenEffects xmlns:a14="http://schemas.microsoft.com/office/drawing/2010/main" xmlns="">
                 <a:effectLst>
                   <a:outerShdw blurRad="63500" dist="38099" dir="2700000" algn="ctr" rotWithShape="0">
                     <a:srgbClr val="000000">
@@ -761,7 +761,7 @@
               </a14:hiddenEffects>
             </a:ext>
             <a:ext uri="{53640926-AAD7-44d8-BBD7-CCE9431645EC}">
-              <a14:shadowObscured xmlns="" xmlns:a14="http://schemas.microsoft.com/office/drawing/2010/main" val="1"/>
+              <a14:shadowObscured xmlns:a14="http://schemas.microsoft.com/office/drawing/2010/main" xmlns="" val="1"/>
             </a:ext>
           </a:extLst>
         </p:spPr>
@@ -796,14 +796,14 @@
           </a:ln>
           <a:extLst>
             <a:ext uri="{909E8E84-426E-40dd-AFC4-6F175D3DCCD1}">
-              <a14:hiddenFill xmlns="" xmlns:a14="http://schemas.microsoft.com/office/drawing/2010/main">
+              <a14:hiddenFill xmlns:a14="http://schemas.microsoft.com/office/drawing/2010/main" xmlns="">
                 <a:solidFill>
                   <a:schemeClr val="accent1"/>
                 </a:solidFill>
               </a14:hiddenFill>
             </a:ext>
             <a:ext uri="{91240B29-F687-4f45-9708-019B960494DF}">
-              <a14:hiddenLine xmlns="" xmlns:a14="http://schemas.microsoft.com/office/drawing/2010/main" w="9525">
+              <a14:hiddenLine xmlns:a14="http://schemas.microsoft.com/office/drawing/2010/main" xmlns="" w="9525">
                 <a:solidFill>
                   <a:schemeClr val="tx1"/>
                 </a:solidFill>
@@ -813,7 +813,7 @@
               </a14:hiddenLine>
             </a:ext>
             <a:ext uri="{FAA26D3D-D897-4be2-8F04-BA451C77F1D7}">
-              <ma14:placeholderFlag xmlns="" xmlns:ma14="http://schemas.microsoft.com/office/mac/drawingml/2011/main" val="1"/>
+              <ma14:placeholderFlag xmlns:ma14="http://schemas.microsoft.com/office/mac/drawingml/2011/main" xmlns="" val="1"/>
             </a:ext>
           </a:extLst>
         </p:spPr>
@@ -891,14 +891,14 @@
           </a:ln>
           <a:extLst>
             <a:ext uri="{909E8E84-426E-40dd-AFC4-6F175D3DCCD1}">
-              <a14:hiddenFill xmlns="" xmlns:a14="http://schemas.microsoft.com/office/drawing/2010/main">
+              <a14:hiddenFill xmlns:a14="http://schemas.microsoft.com/office/drawing/2010/main" xmlns="">
                 <a:solidFill>
                   <a:schemeClr val="accent1"/>
                 </a:solidFill>
               </a14:hiddenFill>
             </a:ext>
             <a:ext uri="{91240B29-F687-4f45-9708-019B960494DF}">
-              <a14:hiddenLine xmlns="" xmlns:a14="http://schemas.microsoft.com/office/drawing/2010/main" w="9525">
+              <a14:hiddenLine xmlns:a14="http://schemas.microsoft.com/office/drawing/2010/main" xmlns="" w="9525">
                 <a:solidFill>
                   <a:schemeClr val="tx1"/>
                 </a:solidFill>
@@ -908,7 +908,7 @@
               </a14:hiddenLine>
             </a:ext>
             <a:ext uri="{FAA26D3D-D897-4be2-8F04-BA451C77F1D7}">
-              <ma14:placeholderFlag xmlns="" xmlns:ma14="http://schemas.microsoft.com/office/mac/drawingml/2011/main" val="1"/>
+              <ma14:placeholderFlag xmlns:ma14="http://schemas.microsoft.com/office/mac/drawingml/2011/main" xmlns="" val="1"/>
             </a:ext>
           </a:extLst>
         </p:spPr>
@@ -968,14 +968,14 @@
           </a:ln>
           <a:extLst>
             <a:ext uri="{909E8E84-426E-40dd-AFC4-6F175D3DCCD1}">
-              <a14:hiddenFill xmlns="" xmlns:a14="http://schemas.microsoft.com/office/drawing/2010/main">
+              <a14:hiddenFill xmlns:a14="http://schemas.microsoft.com/office/drawing/2010/main" xmlns="">
                 <a:solidFill>
                   <a:schemeClr val="accent1"/>
                 </a:solidFill>
               </a14:hiddenFill>
             </a:ext>
             <a:ext uri="{91240B29-F687-4f45-9708-019B960494DF}">
-              <a14:hiddenLine xmlns="" xmlns:a14="http://schemas.microsoft.com/office/drawing/2010/main" w="9525">
+              <a14:hiddenLine xmlns:a14="http://schemas.microsoft.com/office/drawing/2010/main" xmlns="" w="9525">
                 <a:solidFill>
                   <a:schemeClr val="tx1"/>
                 </a:solidFill>
@@ -985,7 +985,7 @@
               </a14:hiddenLine>
             </a:ext>
             <a:ext uri="{FAA26D3D-D897-4be2-8F04-BA451C77F1D7}">
-              <ma14:placeholderFlag xmlns="" xmlns:ma14="http://schemas.microsoft.com/office/mac/drawingml/2011/main" val="1"/>
+              <ma14:placeholderFlag xmlns:ma14="http://schemas.microsoft.com/office/mac/drawingml/2011/main" xmlns="" val="1"/>
             </a:ext>
           </a:extLst>
         </p:spPr>
@@ -5791,14 +5791,14 @@
           <a:effectLst/>
           <a:extLst>
             <a:ext uri="{909E8E84-426E-40dd-AFC4-6F175D3DCCD1}">
-              <a14:hiddenFill xmlns:a14="http://schemas.microsoft.com/office/drawing/2010/main" xmlns="">
+              <a14:hiddenFill xmlns="" xmlns:a14="http://schemas.microsoft.com/office/drawing/2010/main">
                 <a:solidFill>
                   <a:schemeClr val="accent1"/>
                 </a:solidFill>
               </a14:hiddenFill>
             </a:ext>
             <a:ext uri="{91240B29-F687-4f45-9708-019B960494DF}">
-              <a14:hiddenLine xmlns:a14="http://schemas.microsoft.com/office/drawing/2010/main" xmlns="" w="9525" cap="flat" cmpd="sng" algn="ctr">
+              <a14:hiddenLine xmlns="" xmlns:a14="http://schemas.microsoft.com/office/drawing/2010/main" w="9525" cap="flat" cmpd="sng" algn="ctr">
                 <a:solidFill>
                   <a:schemeClr val="tx1"/>
                 </a:solidFill>
@@ -5809,7 +5809,7 @@
               </a14:hiddenLine>
             </a:ext>
             <a:ext uri="{AF507438-7753-43e0-B8FC-AC1667EBCBE1}">
-              <a14:hiddenEffects xmlns:a14="http://schemas.microsoft.com/office/drawing/2010/main" xmlns="">
+              <a14:hiddenEffects xmlns="" xmlns:a14="http://schemas.microsoft.com/office/drawing/2010/main">
                 <a:effectLst>
                   <a:outerShdw blurRad="63500" dist="38099" dir="2700000" algn="ctr" rotWithShape="0">
                     <a:srgbClr val="000000">
@@ -6998,7 +6998,7 @@
                 </a:solidFill>
                 <a:latin typeface="+mn-lt"/>
               </a:rPr>
-              <a:t>Lecture Folder: Lecture 1</a:t>
+              <a:t>Lecture Folder: Lecture 2/Sequential/readPCAP.py</a:t>
             </a:r>
           </a:p>
         </p:txBody>
@@ -7159,13 +7159,13 @@
               <a:buNone/>
             </a:pPr>
             <a:r>
-              <a:rPr lang="en-GB" altLang="it-IT" sz="2200" dirty="0">
+              <a:rPr lang="en-GB" altLang="it-IT" sz="2200">
                 <a:solidFill>
                   <a:srgbClr val="404040"/>
                 </a:solidFill>
                 <a:latin typeface="+mn-lt"/>
               </a:rPr>
-              <a:t>Lecture Folder: Lecture 2</a:t>
+              <a:t>Lecture Folder: Lecture 2/Sequential/readpcap_wireshark.py</a:t>
             </a:r>
           </a:p>
           <a:p>
@@ -7512,14 +7512,14 @@
         <a:effectLst/>
         <a:extLst>
           <a:ext uri="{909E8E84-426E-40dd-AFC4-6F175D3DCCD1}">
-            <a14:hiddenFill xmlns="" xmlns:a14="http://schemas.microsoft.com/office/drawing/2010/main">
+            <a14:hiddenFill xmlns:a14="http://schemas.microsoft.com/office/drawing/2010/main" xmlns="">
               <a:solidFill>
                 <a:schemeClr val="accent1"/>
               </a:solidFill>
             </a14:hiddenFill>
           </a:ext>
           <a:ext uri="{91240B29-F687-4f45-9708-019B960494DF}">
-            <a14:hiddenLine xmlns="" xmlns:a14="http://schemas.microsoft.com/office/drawing/2010/main" w="9525" cap="flat" cmpd="sng" algn="ctr">
+            <a14:hiddenLine xmlns:a14="http://schemas.microsoft.com/office/drawing/2010/main" xmlns="" w="9525" cap="flat" cmpd="sng" algn="ctr">
               <a:solidFill>
                 <a:schemeClr val="tx1"/>
               </a:solidFill>
@@ -7530,7 +7530,7 @@
             </a14:hiddenLine>
           </a:ext>
           <a:ext uri="{AF507438-7753-43e0-B8FC-AC1667EBCBE1}">
-            <a14:hiddenEffects xmlns="" xmlns:a14="http://schemas.microsoft.com/office/drawing/2010/main">
+            <a14:hiddenEffects xmlns:a14="http://schemas.microsoft.com/office/drawing/2010/main" xmlns="">
               <a:effectLst>
                 <a:outerShdw blurRad="63500" dist="38099" dir="2700000" algn="ctr" rotWithShape="0">
                   <a:srgbClr val="000000">
@@ -7599,14 +7599,14 @@
         <a:effectLst/>
         <a:extLst>
           <a:ext uri="{909E8E84-426E-40dd-AFC4-6F175D3DCCD1}">
-            <a14:hiddenFill xmlns="" xmlns:a14="http://schemas.microsoft.com/office/drawing/2010/main">
+            <a14:hiddenFill xmlns:a14="http://schemas.microsoft.com/office/drawing/2010/main" xmlns="">
               <a:solidFill>
                 <a:schemeClr val="accent1"/>
               </a:solidFill>
             </a14:hiddenFill>
           </a:ext>
           <a:ext uri="{91240B29-F687-4f45-9708-019B960494DF}">
-            <a14:hiddenLine xmlns="" xmlns:a14="http://schemas.microsoft.com/office/drawing/2010/main" w="9525" cap="flat" cmpd="sng" algn="ctr">
+            <a14:hiddenLine xmlns:a14="http://schemas.microsoft.com/office/drawing/2010/main" xmlns="" w="9525" cap="flat" cmpd="sng" algn="ctr">
               <a:solidFill>
                 <a:schemeClr val="tx1"/>
               </a:solidFill>
@@ -7617,7 +7617,7 @@
             </a14:hiddenLine>
           </a:ext>
           <a:ext uri="{AF507438-7753-43e0-B8FC-AC1667EBCBE1}">
-            <a14:hiddenEffects xmlns="" xmlns:a14="http://schemas.microsoft.com/office/drawing/2010/main">
+            <a14:hiddenEffects xmlns:a14="http://schemas.microsoft.com/office/drawing/2010/main" xmlns="">
               <a:effectLst>
                 <a:outerShdw blurRad="63500" dist="38099" dir="2700000" algn="ctr" rotWithShape="0">
                   <a:srgbClr val="000000">
